--- a/Dataverse概要设计规约/原型设计图.pptx
+++ b/Dataverse概要设计规约/原型设计图.pptx
@@ -5,7 +5,7 @@
     <p:sldMasterId id="2147483648" r:id="rId1"/>
   </p:sldMasterIdLst>
   <p:notesMasterIdLst>
-    <p:notesMasterId r:id="rId7"/>
+    <p:notesMasterId r:id="rId8"/>
   </p:notesMasterIdLst>
   <p:sldIdLst>
     <p:sldId id="256" r:id="rId2"/>
@@ -13,6 +13,7 @@
     <p:sldId id="258" r:id="rId4"/>
     <p:sldId id="259" r:id="rId5"/>
     <p:sldId id="260" r:id="rId6"/>
+    <p:sldId id="261" r:id="rId7"/>
   </p:sldIdLst>
   <p:sldSz cx="12192000" cy="6858000"/>
   <p:notesSz cx="6858000" cy="9144000"/>
@@ -111,6 +112,11 @@
       </a:defRPr>
     </a:lvl9pPr>
   </p:defaultTextStyle>
+  <p:extLst>
+    <p:ext uri="{EFAFB233-063F-42B5-8137-9DF3F51BA10A}">
+      <p15:sldGuideLst xmlns:p15="http://schemas.microsoft.com/office/powerpoint/2012/main"/>
+    </p:ext>
+  </p:extLst>
 </p:presentation>
 </file>
 
@@ -200,7 +206,7 @@
           <a:p>
             <a:fld id="{64A40147-CB13-4AF0-93DE-815772F72F2D}" type="datetimeFigureOut">
               <a:rPr lang="zh-CN" altLang="en-US" smtClean="0"/>
-              <a:t>2018/1/1</a:t>
+              <a:t>2018/1/14</a:t>
             </a:fld>
             <a:endParaRPr lang="zh-CN" altLang="en-US"/>
           </a:p>
@@ -614,7 +620,7 @@
           <a:p>
             <a:fld id="{C1B0787C-F13D-4F65-8B49-F65D4764EDC4}" type="datetimeFigureOut">
               <a:rPr lang="zh-CN" altLang="en-US" smtClean="0"/>
-              <a:t>2018/1/1</a:t>
+              <a:t>2018/1/14</a:t>
             </a:fld>
             <a:endParaRPr lang="zh-CN" altLang="en-US"/>
           </a:p>
@@ -812,7 +818,7 @@
           <a:p>
             <a:fld id="{C1B0787C-F13D-4F65-8B49-F65D4764EDC4}" type="datetimeFigureOut">
               <a:rPr lang="zh-CN" altLang="en-US" smtClean="0"/>
-              <a:t>2018/1/1</a:t>
+              <a:t>2018/1/14</a:t>
             </a:fld>
             <a:endParaRPr lang="zh-CN" altLang="en-US"/>
           </a:p>
@@ -1020,7 +1026,7 @@
           <a:p>
             <a:fld id="{C1B0787C-F13D-4F65-8B49-F65D4764EDC4}" type="datetimeFigureOut">
               <a:rPr lang="zh-CN" altLang="en-US" smtClean="0"/>
-              <a:t>2018/1/1</a:t>
+              <a:t>2018/1/14</a:t>
             </a:fld>
             <a:endParaRPr lang="zh-CN" altLang="en-US"/>
           </a:p>
@@ -1218,7 +1224,7 @@
           <a:p>
             <a:fld id="{C1B0787C-F13D-4F65-8B49-F65D4764EDC4}" type="datetimeFigureOut">
               <a:rPr lang="zh-CN" altLang="en-US" smtClean="0"/>
-              <a:t>2018/1/1</a:t>
+              <a:t>2018/1/14</a:t>
             </a:fld>
             <a:endParaRPr lang="zh-CN" altLang="en-US"/>
           </a:p>
@@ -1493,7 +1499,7 @@
           <a:p>
             <a:fld id="{C1B0787C-F13D-4F65-8B49-F65D4764EDC4}" type="datetimeFigureOut">
               <a:rPr lang="zh-CN" altLang="en-US" smtClean="0"/>
-              <a:t>2018/1/1</a:t>
+              <a:t>2018/1/14</a:t>
             </a:fld>
             <a:endParaRPr lang="zh-CN" altLang="en-US"/>
           </a:p>
@@ -1758,7 +1764,7 @@
           <a:p>
             <a:fld id="{C1B0787C-F13D-4F65-8B49-F65D4764EDC4}" type="datetimeFigureOut">
               <a:rPr lang="zh-CN" altLang="en-US" smtClean="0"/>
-              <a:t>2018/1/1</a:t>
+              <a:t>2018/1/14</a:t>
             </a:fld>
             <a:endParaRPr lang="zh-CN" altLang="en-US"/>
           </a:p>
@@ -2170,7 +2176,7 @@
           <a:p>
             <a:fld id="{C1B0787C-F13D-4F65-8B49-F65D4764EDC4}" type="datetimeFigureOut">
               <a:rPr lang="zh-CN" altLang="en-US" smtClean="0"/>
-              <a:t>2018/1/1</a:t>
+              <a:t>2018/1/14</a:t>
             </a:fld>
             <a:endParaRPr lang="zh-CN" altLang="en-US"/>
           </a:p>
@@ -2311,7 +2317,7 @@
           <a:p>
             <a:fld id="{C1B0787C-F13D-4F65-8B49-F65D4764EDC4}" type="datetimeFigureOut">
               <a:rPr lang="zh-CN" altLang="en-US" smtClean="0"/>
-              <a:t>2018/1/1</a:t>
+              <a:t>2018/1/14</a:t>
             </a:fld>
             <a:endParaRPr lang="zh-CN" altLang="en-US"/>
           </a:p>
@@ -2424,7 +2430,7 @@
           <a:p>
             <a:fld id="{C1B0787C-F13D-4F65-8B49-F65D4764EDC4}" type="datetimeFigureOut">
               <a:rPr lang="zh-CN" altLang="en-US" smtClean="0"/>
-              <a:t>2018/1/1</a:t>
+              <a:t>2018/1/14</a:t>
             </a:fld>
             <a:endParaRPr lang="zh-CN" altLang="en-US"/>
           </a:p>
@@ -2735,7 +2741,7 @@
           <a:p>
             <a:fld id="{C1B0787C-F13D-4F65-8B49-F65D4764EDC4}" type="datetimeFigureOut">
               <a:rPr lang="zh-CN" altLang="en-US" smtClean="0"/>
-              <a:t>2018/1/1</a:t>
+              <a:t>2018/1/14</a:t>
             </a:fld>
             <a:endParaRPr lang="zh-CN" altLang="en-US"/>
           </a:p>
@@ -3023,7 +3029,7 @@
           <a:p>
             <a:fld id="{C1B0787C-F13D-4F65-8B49-F65D4764EDC4}" type="datetimeFigureOut">
               <a:rPr lang="zh-CN" altLang="en-US" smtClean="0"/>
-              <a:t>2018/1/1</a:t>
+              <a:t>2018/1/14</a:t>
             </a:fld>
             <a:endParaRPr lang="zh-CN" altLang="en-US"/>
           </a:p>
@@ -3264,7 +3270,7 @@
           <a:p>
             <a:fld id="{C1B0787C-F13D-4F65-8B49-F65D4764EDC4}" type="datetimeFigureOut">
               <a:rPr lang="zh-CN" altLang="en-US" smtClean="0"/>
-              <a:t>2018/1/1</a:t>
+              <a:t>2018/1/14</a:t>
             </a:fld>
             <a:endParaRPr lang="zh-CN" altLang="en-US"/>
           </a:p>
@@ -14233,6 +14239,1762 @@
 </p:sld>
 </file>
 
+<file path=ppt/slides/slide6.xml><?xml version="1.0" encoding="utf-8"?>
+<p:sld xmlns:a="http://schemas.openxmlformats.org/drawingml/2006/main" xmlns:r="http://schemas.openxmlformats.org/officeDocument/2006/relationships" xmlns:p="http://schemas.openxmlformats.org/presentationml/2006/main">
+  <p:cSld>
+    <p:spTree>
+      <p:nvGrpSpPr>
+        <p:cNvPr id="1" name=""/>
+        <p:cNvGrpSpPr/>
+        <p:nvPr/>
+      </p:nvGrpSpPr>
+      <p:grpSpPr>
+        <a:xfrm>
+          <a:off x="0" y="0"/>
+          <a:ext cx="0" cy="0"/>
+          <a:chOff x="0" y="0"/>
+          <a:chExt cx="0" cy="0"/>
+        </a:xfrm>
+      </p:grpSpPr>
+      <p:sp>
+        <p:nvSpPr>
+          <p:cNvPr id="5" name="矩形 4">
+            <a:extLst>
+              <a:ext uri="{FF2B5EF4-FFF2-40B4-BE49-F238E27FC236}">
+                <a16:creationId xmlns:a16="http://schemas.microsoft.com/office/drawing/2014/main" id="{F33EA3F2-2AF8-4287-BEEA-5A26D5550534}"/>
+              </a:ext>
+            </a:extLst>
+          </p:cNvPr>
+          <p:cNvSpPr/>
+          <p:nvPr/>
+        </p:nvSpPr>
+        <p:spPr>
+          <a:xfrm>
+            <a:off x="2364911" y="707586"/>
+            <a:ext cx="4174436" cy="1378226"/>
+          </a:xfrm>
+          <a:prstGeom prst="rect">
+            <a:avLst/>
+          </a:prstGeom>
+          <a:solidFill>
+            <a:schemeClr val="accent6"/>
+          </a:solidFill>
+          <a:ln>
+            <a:noFill/>
+          </a:ln>
+        </p:spPr>
+        <p:style>
+          <a:lnRef idx="2">
+            <a:schemeClr val="accent1">
+              <a:shade val="50000"/>
+            </a:schemeClr>
+          </a:lnRef>
+          <a:fillRef idx="1">
+            <a:schemeClr val="accent1"/>
+          </a:fillRef>
+          <a:effectRef idx="0">
+            <a:schemeClr val="accent1"/>
+          </a:effectRef>
+          <a:fontRef idx="minor">
+            <a:schemeClr val="lt1"/>
+          </a:fontRef>
+        </p:style>
+        <p:txBody>
+          <a:bodyPr rtlCol="0" anchor="ctr"/>
+          <a:lstStyle/>
+          <a:p>
+            <a:pPr algn="ctr"/>
+            <a:r>
+              <a:rPr lang="zh-CN" altLang="en-US" dirty="0"/>
+              <a:t>文件管理</a:t>
+            </a:r>
+            <a:endParaRPr lang="en-US" altLang="zh-CN" dirty="0"/>
+          </a:p>
+          <a:p>
+            <a:pPr algn="ctr"/>
+            <a:endParaRPr lang="en-US" altLang="zh-CN" dirty="0"/>
+          </a:p>
+          <a:p>
+            <a:pPr algn="ctr"/>
+            <a:endParaRPr lang="en-US" altLang="zh-CN" dirty="0"/>
+          </a:p>
+          <a:p>
+            <a:pPr algn="ctr"/>
+            <a:endParaRPr lang="zh-CN" altLang="en-US" dirty="0"/>
+          </a:p>
+        </p:txBody>
+      </p:sp>
+      <p:sp>
+        <p:nvSpPr>
+          <p:cNvPr id="42" name="矩形 41">
+            <a:extLst>
+              <a:ext uri="{FF2B5EF4-FFF2-40B4-BE49-F238E27FC236}">
+                <a16:creationId xmlns:a16="http://schemas.microsoft.com/office/drawing/2014/main" id="{46E46175-38F8-41DF-9E65-432CC12D9B74}"/>
+              </a:ext>
+            </a:extLst>
+          </p:cNvPr>
+          <p:cNvSpPr/>
+          <p:nvPr/>
+        </p:nvSpPr>
+        <p:spPr>
+          <a:xfrm>
+            <a:off x="6754499" y="707586"/>
+            <a:ext cx="2991874" cy="1378226"/>
+          </a:xfrm>
+          <a:prstGeom prst="rect">
+            <a:avLst/>
+          </a:prstGeom>
+          <a:solidFill>
+            <a:schemeClr val="accent6"/>
+          </a:solidFill>
+          <a:ln>
+            <a:noFill/>
+          </a:ln>
+        </p:spPr>
+        <p:style>
+          <a:lnRef idx="2">
+            <a:schemeClr val="accent1">
+              <a:shade val="50000"/>
+            </a:schemeClr>
+          </a:lnRef>
+          <a:fillRef idx="1">
+            <a:schemeClr val="accent1"/>
+          </a:fillRef>
+          <a:effectRef idx="0">
+            <a:schemeClr val="accent1"/>
+          </a:effectRef>
+          <a:fontRef idx="minor">
+            <a:schemeClr val="lt1"/>
+          </a:fontRef>
+        </p:style>
+        <p:txBody>
+          <a:bodyPr rtlCol="0" anchor="ctr"/>
+          <a:lstStyle/>
+          <a:p>
+            <a:pPr algn="ctr"/>
+            <a:r>
+              <a:rPr lang="zh-CN" altLang="en-US" dirty="0"/>
+              <a:t>数据处理</a:t>
+            </a:r>
+            <a:endParaRPr lang="en-US" altLang="zh-CN" dirty="0"/>
+          </a:p>
+          <a:p>
+            <a:pPr algn="ctr"/>
+            <a:endParaRPr lang="en-US" altLang="zh-CN" dirty="0"/>
+          </a:p>
+          <a:p>
+            <a:pPr algn="ctr"/>
+            <a:endParaRPr lang="en-US" altLang="zh-CN" dirty="0"/>
+          </a:p>
+          <a:p>
+            <a:pPr algn="ctr"/>
+            <a:endParaRPr lang="zh-CN" altLang="en-US" dirty="0"/>
+          </a:p>
+        </p:txBody>
+      </p:sp>
+      <p:sp>
+        <p:nvSpPr>
+          <p:cNvPr id="43" name="矩形 42">
+            <a:extLst>
+              <a:ext uri="{FF2B5EF4-FFF2-40B4-BE49-F238E27FC236}">
+                <a16:creationId xmlns:a16="http://schemas.microsoft.com/office/drawing/2014/main" id="{8B7ECCCB-0BD7-4858-A0CE-9074D6D0CF62}"/>
+              </a:ext>
+            </a:extLst>
+          </p:cNvPr>
+          <p:cNvSpPr/>
+          <p:nvPr/>
+        </p:nvSpPr>
+        <p:spPr>
+          <a:xfrm>
+            <a:off x="2364910" y="2659270"/>
+            <a:ext cx="4174436" cy="1378226"/>
+          </a:xfrm>
+          <a:prstGeom prst="rect">
+            <a:avLst/>
+          </a:prstGeom>
+          <a:solidFill>
+            <a:schemeClr val="accent2">
+              <a:lumMod val="75000"/>
+            </a:schemeClr>
+          </a:solidFill>
+          <a:ln>
+            <a:noFill/>
+          </a:ln>
+        </p:spPr>
+        <p:style>
+          <a:lnRef idx="2">
+            <a:schemeClr val="accent1">
+              <a:shade val="50000"/>
+            </a:schemeClr>
+          </a:lnRef>
+          <a:fillRef idx="1">
+            <a:schemeClr val="accent1"/>
+          </a:fillRef>
+          <a:effectRef idx="0">
+            <a:schemeClr val="accent1"/>
+          </a:effectRef>
+          <a:fontRef idx="minor">
+            <a:schemeClr val="lt1"/>
+          </a:fontRef>
+        </p:style>
+        <p:txBody>
+          <a:bodyPr rtlCol="0" anchor="ctr"/>
+          <a:lstStyle/>
+          <a:p>
+            <a:pPr algn="ctr"/>
+            <a:r>
+              <a:rPr lang="zh-CN" altLang="en-US" dirty="0"/>
+              <a:t>文件管理器</a:t>
+            </a:r>
+            <a:endParaRPr lang="en-US" altLang="zh-CN" dirty="0"/>
+          </a:p>
+          <a:p>
+            <a:pPr algn="ctr"/>
+            <a:endParaRPr lang="en-US" altLang="zh-CN" dirty="0"/>
+          </a:p>
+          <a:p>
+            <a:pPr algn="ctr"/>
+            <a:endParaRPr lang="en-US" altLang="zh-CN" dirty="0"/>
+          </a:p>
+          <a:p>
+            <a:pPr algn="ctr"/>
+            <a:endParaRPr lang="zh-CN" altLang="en-US" dirty="0"/>
+          </a:p>
+        </p:txBody>
+      </p:sp>
+      <p:sp>
+        <p:nvSpPr>
+          <p:cNvPr id="44" name="矩形 43">
+            <a:extLst>
+              <a:ext uri="{FF2B5EF4-FFF2-40B4-BE49-F238E27FC236}">
+                <a16:creationId xmlns:a16="http://schemas.microsoft.com/office/drawing/2014/main" id="{0918753B-2646-471D-9425-E8AADC2E730C}"/>
+              </a:ext>
+            </a:extLst>
+          </p:cNvPr>
+          <p:cNvSpPr/>
+          <p:nvPr/>
+        </p:nvSpPr>
+        <p:spPr>
+          <a:xfrm>
+            <a:off x="2364910" y="4610954"/>
+            <a:ext cx="7381463" cy="1378226"/>
+          </a:xfrm>
+          <a:prstGeom prst="rect">
+            <a:avLst/>
+          </a:prstGeom>
+        </p:spPr>
+        <p:style>
+          <a:lnRef idx="2">
+            <a:schemeClr val="accent1">
+              <a:shade val="50000"/>
+            </a:schemeClr>
+          </a:lnRef>
+          <a:fillRef idx="1">
+            <a:schemeClr val="accent1"/>
+          </a:fillRef>
+          <a:effectRef idx="0">
+            <a:schemeClr val="accent1"/>
+          </a:effectRef>
+          <a:fontRef idx="minor">
+            <a:schemeClr val="lt1"/>
+          </a:fontRef>
+        </p:style>
+        <p:txBody>
+          <a:bodyPr rtlCol="0" anchor="ctr"/>
+          <a:lstStyle/>
+          <a:p>
+            <a:pPr algn="ctr"/>
+            <a:r>
+              <a:rPr lang="zh-CN" altLang="en-US" dirty="0"/>
+              <a:t>文件</a:t>
+            </a:r>
+            <a:endParaRPr lang="en-US" altLang="zh-CN" dirty="0"/>
+          </a:p>
+          <a:p>
+            <a:pPr algn="ctr"/>
+            <a:endParaRPr lang="en-US" altLang="zh-CN" dirty="0"/>
+          </a:p>
+          <a:p>
+            <a:pPr algn="ctr"/>
+            <a:endParaRPr lang="en-US" altLang="zh-CN" dirty="0"/>
+          </a:p>
+          <a:p>
+            <a:pPr algn="ctr"/>
+            <a:endParaRPr lang="zh-CN" altLang="en-US" dirty="0"/>
+          </a:p>
+        </p:txBody>
+      </p:sp>
+      <p:sp>
+        <p:nvSpPr>
+          <p:cNvPr id="46" name="矩形 45">
+            <a:extLst>
+              <a:ext uri="{FF2B5EF4-FFF2-40B4-BE49-F238E27FC236}">
+                <a16:creationId xmlns:a16="http://schemas.microsoft.com/office/drawing/2014/main" id="{2200E342-05BA-43D2-BC31-86C8ADFED0D8}"/>
+              </a:ext>
+            </a:extLst>
+          </p:cNvPr>
+          <p:cNvSpPr/>
+          <p:nvPr/>
+        </p:nvSpPr>
+        <p:spPr>
+          <a:xfrm>
+            <a:off x="6754499" y="2659270"/>
+            <a:ext cx="2991874" cy="1378226"/>
+          </a:xfrm>
+          <a:prstGeom prst="rect">
+            <a:avLst/>
+          </a:prstGeom>
+          <a:solidFill>
+            <a:schemeClr val="accent2">
+              <a:lumMod val="75000"/>
+            </a:schemeClr>
+          </a:solidFill>
+          <a:ln>
+            <a:noFill/>
+          </a:ln>
+        </p:spPr>
+        <p:style>
+          <a:lnRef idx="2">
+            <a:schemeClr val="accent1">
+              <a:shade val="50000"/>
+            </a:schemeClr>
+          </a:lnRef>
+          <a:fillRef idx="1">
+            <a:schemeClr val="accent1"/>
+          </a:fillRef>
+          <a:effectRef idx="0">
+            <a:schemeClr val="accent1"/>
+          </a:effectRef>
+          <a:fontRef idx="minor">
+            <a:schemeClr val="lt1"/>
+          </a:fontRef>
+        </p:style>
+        <p:txBody>
+          <a:bodyPr rtlCol="0" anchor="ctr"/>
+          <a:lstStyle/>
+          <a:p>
+            <a:pPr algn="ctr"/>
+            <a:r>
+              <a:rPr lang="zh-CN" altLang="en-US" dirty="0"/>
+              <a:t>数据处理器</a:t>
+            </a:r>
+            <a:endParaRPr lang="en-US" altLang="zh-CN" dirty="0"/>
+          </a:p>
+          <a:p>
+            <a:pPr algn="ctr"/>
+            <a:endParaRPr lang="en-US" altLang="zh-CN" dirty="0"/>
+          </a:p>
+          <a:p>
+            <a:pPr algn="ctr"/>
+            <a:endParaRPr lang="en-US" altLang="zh-CN" dirty="0"/>
+          </a:p>
+          <a:p>
+            <a:pPr algn="ctr"/>
+            <a:endParaRPr lang="zh-CN" altLang="en-US" dirty="0"/>
+          </a:p>
+        </p:txBody>
+      </p:sp>
+      <p:sp>
+        <p:nvSpPr>
+          <p:cNvPr id="9" name="矩形 8">
+            <a:extLst>
+              <a:ext uri="{FF2B5EF4-FFF2-40B4-BE49-F238E27FC236}">
+                <a16:creationId xmlns:a16="http://schemas.microsoft.com/office/drawing/2014/main" id="{80026A58-38D5-414F-89CB-F0D0B0558699}"/>
+              </a:ext>
+            </a:extLst>
+          </p:cNvPr>
+          <p:cNvSpPr/>
+          <p:nvPr/>
+        </p:nvSpPr>
+        <p:spPr>
+          <a:xfrm>
+            <a:off x="2635313" y="1237673"/>
+            <a:ext cx="1030941" cy="735106"/>
+          </a:xfrm>
+          <a:prstGeom prst="rect">
+            <a:avLst/>
+          </a:prstGeom>
+          <a:solidFill>
+            <a:schemeClr val="accent6">
+              <a:lumMod val="60000"/>
+              <a:lumOff val="40000"/>
+            </a:schemeClr>
+          </a:solidFill>
+          <a:ln>
+            <a:noFill/>
+          </a:ln>
+        </p:spPr>
+        <p:style>
+          <a:lnRef idx="2">
+            <a:schemeClr val="accent1">
+              <a:shade val="50000"/>
+            </a:schemeClr>
+          </a:lnRef>
+          <a:fillRef idx="1">
+            <a:schemeClr val="accent1"/>
+          </a:fillRef>
+          <a:effectRef idx="0">
+            <a:schemeClr val="accent1"/>
+          </a:effectRef>
+          <a:fontRef idx="minor">
+            <a:schemeClr val="lt1"/>
+          </a:fontRef>
+        </p:style>
+        <p:txBody>
+          <a:bodyPr rtlCol="0" anchor="ctr"/>
+          <a:lstStyle/>
+          <a:p>
+            <a:pPr algn="ctr"/>
+            <a:r>
+              <a:rPr lang="zh-CN" altLang="en-US" sz="1400" dirty="0"/>
+              <a:t>文件下载</a:t>
+            </a:r>
+          </a:p>
+        </p:txBody>
+      </p:sp>
+      <p:sp>
+        <p:nvSpPr>
+          <p:cNvPr id="48" name="矩形 47">
+            <a:extLst>
+              <a:ext uri="{FF2B5EF4-FFF2-40B4-BE49-F238E27FC236}">
+                <a16:creationId xmlns:a16="http://schemas.microsoft.com/office/drawing/2014/main" id="{FBE4D4D8-E007-41A7-B7EF-D1E8A7C3089E}"/>
+              </a:ext>
+            </a:extLst>
+          </p:cNvPr>
+          <p:cNvSpPr/>
+          <p:nvPr/>
+        </p:nvSpPr>
+        <p:spPr>
+          <a:xfrm>
+            <a:off x="3936656" y="1237673"/>
+            <a:ext cx="1030941" cy="735106"/>
+          </a:xfrm>
+          <a:prstGeom prst="rect">
+            <a:avLst/>
+          </a:prstGeom>
+          <a:solidFill>
+            <a:schemeClr val="accent6">
+              <a:lumMod val="60000"/>
+              <a:lumOff val="40000"/>
+            </a:schemeClr>
+          </a:solidFill>
+          <a:ln>
+            <a:noFill/>
+          </a:ln>
+        </p:spPr>
+        <p:style>
+          <a:lnRef idx="2">
+            <a:schemeClr val="accent1">
+              <a:shade val="50000"/>
+            </a:schemeClr>
+          </a:lnRef>
+          <a:fillRef idx="1">
+            <a:schemeClr val="accent1"/>
+          </a:fillRef>
+          <a:effectRef idx="0">
+            <a:schemeClr val="accent1"/>
+          </a:effectRef>
+          <a:fontRef idx="minor">
+            <a:schemeClr val="lt1"/>
+          </a:fontRef>
+        </p:style>
+        <p:txBody>
+          <a:bodyPr rtlCol="0" anchor="ctr"/>
+          <a:lstStyle/>
+          <a:p>
+            <a:pPr algn="ctr"/>
+            <a:r>
+              <a:rPr lang="zh-CN" altLang="en-US" sz="1400" dirty="0"/>
+              <a:t>文件生成</a:t>
+            </a:r>
+          </a:p>
+        </p:txBody>
+      </p:sp>
+      <p:sp>
+        <p:nvSpPr>
+          <p:cNvPr id="50" name="矩形 49">
+            <a:extLst>
+              <a:ext uri="{FF2B5EF4-FFF2-40B4-BE49-F238E27FC236}">
+                <a16:creationId xmlns:a16="http://schemas.microsoft.com/office/drawing/2014/main" id="{7EC7886C-A78C-4E1F-AF49-ADDABEE8D493}"/>
+              </a:ext>
+            </a:extLst>
+          </p:cNvPr>
+          <p:cNvSpPr/>
+          <p:nvPr/>
+        </p:nvSpPr>
+        <p:spPr>
+          <a:xfrm>
+            <a:off x="7050529" y="1237673"/>
+            <a:ext cx="1030941" cy="735106"/>
+          </a:xfrm>
+          <a:prstGeom prst="rect">
+            <a:avLst/>
+          </a:prstGeom>
+          <a:solidFill>
+            <a:schemeClr val="accent6">
+              <a:lumMod val="60000"/>
+              <a:lumOff val="40000"/>
+            </a:schemeClr>
+          </a:solidFill>
+          <a:ln>
+            <a:noFill/>
+          </a:ln>
+        </p:spPr>
+        <p:style>
+          <a:lnRef idx="2">
+            <a:schemeClr val="accent1">
+              <a:shade val="50000"/>
+            </a:schemeClr>
+          </a:lnRef>
+          <a:fillRef idx="1">
+            <a:schemeClr val="accent1"/>
+          </a:fillRef>
+          <a:effectRef idx="0">
+            <a:schemeClr val="accent1"/>
+          </a:effectRef>
+          <a:fontRef idx="minor">
+            <a:schemeClr val="lt1"/>
+          </a:fontRef>
+        </p:style>
+        <p:txBody>
+          <a:bodyPr rtlCol="0" anchor="ctr"/>
+          <a:lstStyle/>
+          <a:p>
+            <a:pPr algn="ctr"/>
+            <a:r>
+              <a:rPr lang="zh-CN" altLang="en-US" sz="1400" dirty="0"/>
+              <a:t>数据读取</a:t>
+            </a:r>
+          </a:p>
+        </p:txBody>
+      </p:sp>
+      <p:sp>
+        <p:nvSpPr>
+          <p:cNvPr id="51" name="矩形 50">
+            <a:extLst>
+              <a:ext uri="{FF2B5EF4-FFF2-40B4-BE49-F238E27FC236}">
+                <a16:creationId xmlns:a16="http://schemas.microsoft.com/office/drawing/2014/main" id="{2B7A4BB4-F7CB-4CBC-8452-B36F128093FE}"/>
+              </a:ext>
+            </a:extLst>
+          </p:cNvPr>
+          <p:cNvSpPr/>
+          <p:nvPr/>
+        </p:nvSpPr>
+        <p:spPr>
+          <a:xfrm>
+            <a:off x="8398450" y="1237673"/>
+            <a:ext cx="1030941" cy="735106"/>
+          </a:xfrm>
+          <a:prstGeom prst="rect">
+            <a:avLst/>
+          </a:prstGeom>
+          <a:solidFill>
+            <a:schemeClr val="accent6">
+              <a:lumMod val="60000"/>
+              <a:lumOff val="40000"/>
+            </a:schemeClr>
+          </a:solidFill>
+          <a:ln>
+            <a:noFill/>
+          </a:ln>
+        </p:spPr>
+        <p:style>
+          <a:lnRef idx="2">
+            <a:schemeClr val="accent1">
+              <a:shade val="50000"/>
+            </a:schemeClr>
+          </a:lnRef>
+          <a:fillRef idx="1">
+            <a:schemeClr val="accent1"/>
+          </a:fillRef>
+          <a:effectRef idx="0">
+            <a:schemeClr val="accent1"/>
+          </a:effectRef>
+          <a:fontRef idx="minor">
+            <a:schemeClr val="lt1"/>
+          </a:fontRef>
+        </p:style>
+        <p:txBody>
+          <a:bodyPr rtlCol="0" anchor="ctr"/>
+          <a:lstStyle/>
+          <a:p>
+            <a:pPr algn="ctr"/>
+            <a:r>
+              <a:rPr lang="zh-CN" altLang="en-US" sz="1400" dirty="0"/>
+              <a:t>数据展示</a:t>
+            </a:r>
+          </a:p>
+        </p:txBody>
+      </p:sp>
+      <p:sp>
+        <p:nvSpPr>
+          <p:cNvPr id="11" name="文本框 10">
+            <a:extLst>
+              <a:ext uri="{FF2B5EF4-FFF2-40B4-BE49-F238E27FC236}">
+                <a16:creationId xmlns:a16="http://schemas.microsoft.com/office/drawing/2014/main" id="{C47B060E-765C-4393-B44B-71474DBCDF9E}"/>
+              </a:ext>
+            </a:extLst>
+          </p:cNvPr>
+          <p:cNvSpPr txBox="1"/>
+          <p:nvPr/>
+        </p:nvSpPr>
+        <p:spPr>
+          <a:xfrm>
+            <a:off x="683492" y="3163717"/>
+            <a:ext cx="1573842" cy="461665"/>
+          </a:xfrm>
+          <a:prstGeom prst="rect">
+            <a:avLst/>
+          </a:prstGeom>
+          <a:noFill/>
+        </p:spPr>
+        <p:txBody>
+          <a:bodyPr wrap="square" rtlCol="0">
+            <a:spAutoFit/>
+          </a:bodyPr>
+          <a:lstStyle/>
+          <a:p>
+            <a:r>
+              <a:rPr lang="en-US" altLang="zh-CN" sz="2400" dirty="0">
+                <a:solidFill>
+                  <a:schemeClr val="accent2"/>
+                </a:solidFill>
+              </a:rPr>
+              <a:t>Controller</a:t>
+            </a:r>
+            <a:endParaRPr lang="zh-CN" altLang="en-US" sz="2400" dirty="0">
+              <a:solidFill>
+                <a:schemeClr val="accent2"/>
+              </a:solidFill>
+            </a:endParaRPr>
+          </a:p>
+        </p:txBody>
+      </p:sp>
+      <p:sp>
+        <p:nvSpPr>
+          <p:cNvPr id="53" name="文本框 52">
+            <a:extLst>
+              <a:ext uri="{FF2B5EF4-FFF2-40B4-BE49-F238E27FC236}">
+                <a16:creationId xmlns:a16="http://schemas.microsoft.com/office/drawing/2014/main" id="{9DDAAE68-2743-4A1C-B121-102651CC3FD2}"/>
+              </a:ext>
+            </a:extLst>
+          </p:cNvPr>
+          <p:cNvSpPr txBox="1"/>
+          <p:nvPr/>
+        </p:nvSpPr>
+        <p:spPr>
+          <a:xfrm>
+            <a:off x="1254461" y="1212033"/>
+            <a:ext cx="1261291" cy="461665"/>
+          </a:xfrm>
+          <a:prstGeom prst="rect">
+            <a:avLst/>
+          </a:prstGeom>
+          <a:noFill/>
+        </p:spPr>
+        <p:txBody>
+          <a:bodyPr wrap="square" rtlCol="0">
+            <a:spAutoFit/>
+          </a:bodyPr>
+          <a:lstStyle/>
+          <a:p>
+            <a:r>
+              <a:rPr lang="en-US" altLang="zh-CN" sz="2400" dirty="0">
+                <a:solidFill>
+                  <a:schemeClr val="accent6"/>
+                </a:solidFill>
+              </a:rPr>
+              <a:t>View</a:t>
+            </a:r>
+            <a:endParaRPr lang="zh-CN" altLang="en-US" sz="2400" dirty="0">
+              <a:solidFill>
+                <a:schemeClr val="accent6"/>
+              </a:solidFill>
+            </a:endParaRPr>
+          </a:p>
+        </p:txBody>
+      </p:sp>
+      <p:sp>
+        <p:nvSpPr>
+          <p:cNvPr id="54" name="文本框 53">
+            <a:extLst>
+              <a:ext uri="{FF2B5EF4-FFF2-40B4-BE49-F238E27FC236}">
+                <a16:creationId xmlns:a16="http://schemas.microsoft.com/office/drawing/2014/main" id="{3BC6B0F5-6CF4-42AD-AD2B-D00483485453}"/>
+              </a:ext>
+            </a:extLst>
+          </p:cNvPr>
+          <p:cNvSpPr txBox="1"/>
+          <p:nvPr/>
+        </p:nvSpPr>
+        <p:spPr>
+          <a:xfrm>
+            <a:off x="1154546" y="5115401"/>
+            <a:ext cx="1326514" cy="461665"/>
+          </a:xfrm>
+          <a:prstGeom prst="rect">
+            <a:avLst/>
+          </a:prstGeom>
+          <a:noFill/>
+        </p:spPr>
+        <p:txBody>
+          <a:bodyPr wrap="square" rtlCol="0">
+            <a:spAutoFit/>
+          </a:bodyPr>
+          <a:lstStyle/>
+          <a:p>
+            <a:r>
+              <a:rPr lang="en-US" altLang="zh-CN" sz="2400" dirty="0">
+                <a:solidFill>
+                  <a:schemeClr val="accent5">
+                    <a:lumMod val="75000"/>
+                  </a:schemeClr>
+                </a:solidFill>
+              </a:rPr>
+              <a:t>Model</a:t>
+            </a:r>
+            <a:endParaRPr lang="zh-CN" altLang="en-US" sz="2400" dirty="0">
+              <a:solidFill>
+                <a:schemeClr val="accent5">
+                  <a:lumMod val="75000"/>
+                </a:schemeClr>
+              </a:solidFill>
+            </a:endParaRPr>
+          </a:p>
+        </p:txBody>
+      </p:sp>
+      <p:sp>
+        <p:nvSpPr>
+          <p:cNvPr id="55" name="矩形 54">
+            <a:extLst>
+              <a:ext uri="{FF2B5EF4-FFF2-40B4-BE49-F238E27FC236}">
+                <a16:creationId xmlns:a16="http://schemas.microsoft.com/office/drawing/2014/main" id="{92330563-45D9-46A6-BD0E-131E54777210}"/>
+              </a:ext>
+            </a:extLst>
+          </p:cNvPr>
+          <p:cNvSpPr/>
+          <p:nvPr/>
+        </p:nvSpPr>
+        <p:spPr>
+          <a:xfrm>
+            <a:off x="2635313" y="3165496"/>
+            <a:ext cx="1030941" cy="735106"/>
+          </a:xfrm>
+          <a:prstGeom prst="rect">
+            <a:avLst/>
+          </a:prstGeom>
+          <a:solidFill>
+            <a:schemeClr val="accent2">
+              <a:lumMod val="60000"/>
+              <a:lumOff val="40000"/>
+            </a:schemeClr>
+          </a:solidFill>
+          <a:ln>
+            <a:noFill/>
+          </a:ln>
+        </p:spPr>
+        <p:style>
+          <a:lnRef idx="2">
+            <a:schemeClr val="accent1">
+              <a:shade val="50000"/>
+            </a:schemeClr>
+          </a:lnRef>
+          <a:fillRef idx="1">
+            <a:schemeClr val="accent1"/>
+          </a:fillRef>
+          <a:effectRef idx="0">
+            <a:schemeClr val="accent1"/>
+          </a:effectRef>
+          <a:fontRef idx="minor">
+            <a:schemeClr val="lt1"/>
+          </a:fontRef>
+        </p:style>
+        <p:txBody>
+          <a:bodyPr rtlCol="0" anchor="ctr"/>
+          <a:lstStyle/>
+          <a:p>
+            <a:pPr algn="ctr"/>
+            <a:r>
+              <a:rPr lang="en-US" altLang="zh-CN" sz="1400" dirty="0"/>
+              <a:t>xml</a:t>
+            </a:r>
+            <a:r>
+              <a:rPr lang="zh-CN" altLang="en-US" sz="1400" dirty="0"/>
+              <a:t>文件读写控制器</a:t>
+            </a:r>
+          </a:p>
+        </p:txBody>
+      </p:sp>
+      <p:sp>
+        <p:nvSpPr>
+          <p:cNvPr id="56" name="矩形 55">
+            <a:extLst>
+              <a:ext uri="{FF2B5EF4-FFF2-40B4-BE49-F238E27FC236}">
+                <a16:creationId xmlns:a16="http://schemas.microsoft.com/office/drawing/2014/main" id="{5C410FB4-C51C-4B92-83E1-B4147B01026D}"/>
+              </a:ext>
+            </a:extLst>
+          </p:cNvPr>
+          <p:cNvSpPr/>
+          <p:nvPr/>
+        </p:nvSpPr>
+        <p:spPr>
+          <a:xfrm>
+            <a:off x="3936656" y="3163717"/>
+            <a:ext cx="1030941" cy="735106"/>
+          </a:xfrm>
+          <a:prstGeom prst="rect">
+            <a:avLst/>
+          </a:prstGeom>
+          <a:solidFill>
+            <a:schemeClr val="accent2">
+              <a:lumMod val="60000"/>
+              <a:lumOff val="40000"/>
+            </a:schemeClr>
+          </a:solidFill>
+          <a:ln>
+            <a:noFill/>
+          </a:ln>
+        </p:spPr>
+        <p:style>
+          <a:lnRef idx="2">
+            <a:schemeClr val="accent1">
+              <a:shade val="50000"/>
+            </a:schemeClr>
+          </a:lnRef>
+          <a:fillRef idx="1">
+            <a:schemeClr val="accent1"/>
+          </a:fillRef>
+          <a:effectRef idx="0">
+            <a:schemeClr val="accent1"/>
+          </a:effectRef>
+          <a:fontRef idx="minor">
+            <a:schemeClr val="lt1"/>
+          </a:fontRef>
+        </p:style>
+        <p:txBody>
+          <a:bodyPr rtlCol="0" anchor="ctr"/>
+          <a:lstStyle/>
+          <a:p>
+            <a:pPr algn="ctr"/>
+            <a:r>
+              <a:rPr lang="en-US" altLang="zh-CN" sz="1400" dirty="0"/>
+              <a:t>prep</a:t>
+            </a:r>
+            <a:r>
+              <a:rPr lang="zh-CN" altLang="en-US" sz="1400" dirty="0"/>
+              <a:t>文件读写控制器</a:t>
+            </a:r>
+          </a:p>
+        </p:txBody>
+      </p:sp>
+      <p:sp>
+        <p:nvSpPr>
+          <p:cNvPr id="57" name="矩形 56">
+            <a:extLst>
+              <a:ext uri="{FF2B5EF4-FFF2-40B4-BE49-F238E27FC236}">
+                <a16:creationId xmlns:a16="http://schemas.microsoft.com/office/drawing/2014/main" id="{1FB2395A-ED9B-4F35-BC39-C8B7AED0A364}"/>
+              </a:ext>
+            </a:extLst>
+          </p:cNvPr>
+          <p:cNvSpPr/>
+          <p:nvPr/>
+        </p:nvSpPr>
+        <p:spPr>
+          <a:xfrm>
+            <a:off x="5238000" y="3163717"/>
+            <a:ext cx="1030941" cy="735106"/>
+          </a:xfrm>
+          <a:prstGeom prst="rect">
+            <a:avLst/>
+          </a:prstGeom>
+          <a:solidFill>
+            <a:schemeClr val="accent2">
+              <a:lumMod val="60000"/>
+              <a:lumOff val="40000"/>
+            </a:schemeClr>
+          </a:solidFill>
+          <a:ln>
+            <a:noFill/>
+          </a:ln>
+        </p:spPr>
+        <p:style>
+          <a:lnRef idx="2">
+            <a:schemeClr val="accent1">
+              <a:shade val="50000"/>
+            </a:schemeClr>
+          </a:lnRef>
+          <a:fillRef idx="1">
+            <a:schemeClr val="accent1"/>
+          </a:fillRef>
+          <a:effectRef idx="0">
+            <a:schemeClr val="accent1"/>
+          </a:effectRef>
+          <a:fontRef idx="minor">
+            <a:schemeClr val="lt1"/>
+          </a:fontRef>
+        </p:style>
+        <p:txBody>
+          <a:bodyPr rtlCol="0" anchor="ctr"/>
+          <a:lstStyle/>
+          <a:p>
+            <a:pPr algn="ctr"/>
+            <a:r>
+              <a:rPr lang="zh-CN" altLang="en-US" sz="1400" dirty="0"/>
+              <a:t>文件下载控制器</a:t>
+            </a:r>
+          </a:p>
+        </p:txBody>
+      </p:sp>
+      <p:sp>
+        <p:nvSpPr>
+          <p:cNvPr id="58" name="矩形 57">
+            <a:extLst>
+              <a:ext uri="{FF2B5EF4-FFF2-40B4-BE49-F238E27FC236}">
+                <a16:creationId xmlns:a16="http://schemas.microsoft.com/office/drawing/2014/main" id="{2163A1DC-E277-49E4-A19C-C6BB33A31BA7}"/>
+              </a:ext>
+            </a:extLst>
+          </p:cNvPr>
+          <p:cNvSpPr/>
+          <p:nvPr/>
+        </p:nvSpPr>
+        <p:spPr>
+          <a:xfrm>
+            <a:off x="5237999" y="1238140"/>
+            <a:ext cx="1030941" cy="735106"/>
+          </a:xfrm>
+          <a:prstGeom prst="rect">
+            <a:avLst/>
+          </a:prstGeom>
+          <a:solidFill>
+            <a:schemeClr val="accent6">
+              <a:lumMod val="60000"/>
+              <a:lumOff val="40000"/>
+            </a:schemeClr>
+          </a:solidFill>
+          <a:ln>
+            <a:noFill/>
+          </a:ln>
+        </p:spPr>
+        <p:style>
+          <a:lnRef idx="2">
+            <a:schemeClr val="accent1">
+              <a:shade val="50000"/>
+            </a:schemeClr>
+          </a:lnRef>
+          <a:fillRef idx="1">
+            <a:schemeClr val="accent1"/>
+          </a:fillRef>
+          <a:effectRef idx="0">
+            <a:schemeClr val="accent1"/>
+          </a:effectRef>
+          <a:fontRef idx="minor">
+            <a:schemeClr val="lt1"/>
+          </a:fontRef>
+        </p:style>
+        <p:txBody>
+          <a:bodyPr rtlCol="0" anchor="ctr"/>
+          <a:lstStyle/>
+          <a:p>
+            <a:pPr algn="ctr"/>
+            <a:r>
+              <a:rPr lang="zh-CN" altLang="en-US" sz="1400" dirty="0"/>
+              <a:t>文件上传</a:t>
+            </a:r>
+          </a:p>
+        </p:txBody>
+      </p:sp>
+      <p:sp>
+        <p:nvSpPr>
+          <p:cNvPr id="59" name="矩形 58">
+            <a:extLst>
+              <a:ext uri="{FF2B5EF4-FFF2-40B4-BE49-F238E27FC236}">
+                <a16:creationId xmlns:a16="http://schemas.microsoft.com/office/drawing/2014/main" id="{8AE4BEFC-93A2-4B09-BA06-2F629F0ACD52}"/>
+              </a:ext>
+            </a:extLst>
+          </p:cNvPr>
+          <p:cNvSpPr/>
+          <p:nvPr/>
+        </p:nvSpPr>
+        <p:spPr>
+          <a:xfrm>
+            <a:off x="7050528" y="3163717"/>
+            <a:ext cx="1030941" cy="735106"/>
+          </a:xfrm>
+          <a:prstGeom prst="rect">
+            <a:avLst/>
+          </a:prstGeom>
+          <a:solidFill>
+            <a:schemeClr val="accent2">
+              <a:lumMod val="60000"/>
+              <a:lumOff val="40000"/>
+            </a:schemeClr>
+          </a:solidFill>
+          <a:ln>
+            <a:noFill/>
+          </a:ln>
+        </p:spPr>
+        <p:style>
+          <a:lnRef idx="2">
+            <a:schemeClr val="accent1">
+              <a:shade val="50000"/>
+            </a:schemeClr>
+          </a:lnRef>
+          <a:fillRef idx="1">
+            <a:schemeClr val="accent1"/>
+          </a:fillRef>
+          <a:effectRef idx="0">
+            <a:schemeClr val="accent1"/>
+          </a:effectRef>
+          <a:fontRef idx="minor">
+            <a:schemeClr val="lt1"/>
+          </a:fontRef>
+        </p:style>
+        <p:txBody>
+          <a:bodyPr rtlCol="0" anchor="ctr"/>
+          <a:lstStyle/>
+          <a:p>
+            <a:pPr algn="ctr"/>
+            <a:r>
+              <a:rPr lang="zh-CN" altLang="en-US" sz="1400" dirty="0"/>
+              <a:t>数据处理控制器</a:t>
+            </a:r>
+          </a:p>
+        </p:txBody>
+      </p:sp>
+      <p:sp>
+        <p:nvSpPr>
+          <p:cNvPr id="60" name="矩形 59">
+            <a:extLst>
+              <a:ext uri="{FF2B5EF4-FFF2-40B4-BE49-F238E27FC236}">
+                <a16:creationId xmlns:a16="http://schemas.microsoft.com/office/drawing/2014/main" id="{4C0BA099-17C6-4F76-A9D0-0781F536B51C}"/>
+              </a:ext>
+            </a:extLst>
+          </p:cNvPr>
+          <p:cNvSpPr/>
+          <p:nvPr/>
+        </p:nvSpPr>
+        <p:spPr>
+          <a:xfrm>
+            <a:off x="8398450" y="3163717"/>
+            <a:ext cx="1030941" cy="735106"/>
+          </a:xfrm>
+          <a:prstGeom prst="rect">
+            <a:avLst/>
+          </a:prstGeom>
+          <a:solidFill>
+            <a:schemeClr val="accent2">
+              <a:lumMod val="60000"/>
+              <a:lumOff val="40000"/>
+            </a:schemeClr>
+          </a:solidFill>
+          <a:ln>
+            <a:noFill/>
+          </a:ln>
+        </p:spPr>
+        <p:style>
+          <a:lnRef idx="2">
+            <a:schemeClr val="accent1">
+              <a:shade val="50000"/>
+            </a:schemeClr>
+          </a:lnRef>
+          <a:fillRef idx="1">
+            <a:schemeClr val="accent1"/>
+          </a:fillRef>
+          <a:effectRef idx="0">
+            <a:schemeClr val="accent1"/>
+          </a:effectRef>
+          <a:fontRef idx="minor">
+            <a:schemeClr val="lt1"/>
+          </a:fontRef>
+        </p:style>
+        <p:txBody>
+          <a:bodyPr rtlCol="0" anchor="ctr"/>
+          <a:lstStyle/>
+          <a:p>
+            <a:pPr algn="ctr"/>
+            <a:r>
+              <a:rPr lang="zh-CN" altLang="en-US" sz="1400" dirty="0"/>
+              <a:t>数据读写文件控制器</a:t>
+            </a:r>
+          </a:p>
+        </p:txBody>
+      </p:sp>
+      <p:sp>
+        <p:nvSpPr>
+          <p:cNvPr id="61" name="矩形 60">
+            <a:extLst>
+              <a:ext uri="{FF2B5EF4-FFF2-40B4-BE49-F238E27FC236}">
+                <a16:creationId xmlns:a16="http://schemas.microsoft.com/office/drawing/2014/main" id="{747B5CC6-B1FE-412D-92E9-231ECE9AD124}"/>
+              </a:ext>
+            </a:extLst>
+          </p:cNvPr>
+          <p:cNvSpPr/>
+          <p:nvPr/>
+        </p:nvSpPr>
+        <p:spPr>
+          <a:xfrm>
+            <a:off x="3356812" y="5115401"/>
+            <a:ext cx="1483043" cy="735106"/>
+          </a:xfrm>
+          <a:prstGeom prst="rect">
+            <a:avLst/>
+          </a:prstGeom>
+          <a:solidFill>
+            <a:schemeClr val="accent5">
+              <a:lumMod val="60000"/>
+              <a:lumOff val="40000"/>
+            </a:schemeClr>
+          </a:solidFill>
+          <a:ln>
+            <a:noFill/>
+          </a:ln>
+        </p:spPr>
+        <p:style>
+          <a:lnRef idx="2">
+            <a:schemeClr val="accent1">
+              <a:shade val="50000"/>
+            </a:schemeClr>
+          </a:lnRef>
+          <a:fillRef idx="1">
+            <a:schemeClr val="accent1"/>
+          </a:fillRef>
+          <a:effectRef idx="0">
+            <a:schemeClr val="accent1"/>
+          </a:effectRef>
+          <a:fontRef idx="minor">
+            <a:schemeClr val="lt1"/>
+          </a:fontRef>
+        </p:style>
+        <p:txBody>
+          <a:bodyPr rtlCol="0" anchor="ctr"/>
+          <a:lstStyle/>
+          <a:p>
+            <a:pPr algn="ctr"/>
+            <a:r>
+              <a:rPr lang="en-US" altLang="zh-CN" sz="1400" dirty="0"/>
+              <a:t>Xml</a:t>
+            </a:r>
+            <a:r>
+              <a:rPr lang="zh-CN" altLang="en-US" sz="1400" dirty="0"/>
+              <a:t>文件</a:t>
+            </a:r>
+          </a:p>
+        </p:txBody>
+      </p:sp>
+      <p:sp>
+        <p:nvSpPr>
+          <p:cNvPr id="62" name="矩形 61">
+            <a:extLst>
+              <a:ext uri="{FF2B5EF4-FFF2-40B4-BE49-F238E27FC236}">
+                <a16:creationId xmlns:a16="http://schemas.microsoft.com/office/drawing/2014/main" id="{019B2857-F7E1-46F5-8315-E33AF13F4C6D}"/>
+              </a:ext>
+            </a:extLst>
+          </p:cNvPr>
+          <p:cNvSpPr/>
+          <p:nvPr/>
+        </p:nvSpPr>
+        <p:spPr>
+          <a:xfrm>
+            <a:off x="5310911" y="5115401"/>
+            <a:ext cx="1483042" cy="735106"/>
+          </a:xfrm>
+          <a:prstGeom prst="rect">
+            <a:avLst/>
+          </a:prstGeom>
+          <a:solidFill>
+            <a:schemeClr val="accent5">
+              <a:lumMod val="60000"/>
+              <a:lumOff val="40000"/>
+            </a:schemeClr>
+          </a:solidFill>
+          <a:ln>
+            <a:noFill/>
+          </a:ln>
+        </p:spPr>
+        <p:style>
+          <a:lnRef idx="2">
+            <a:schemeClr val="accent1">
+              <a:shade val="50000"/>
+            </a:schemeClr>
+          </a:lnRef>
+          <a:fillRef idx="1">
+            <a:schemeClr val="accent1"/>
+          </a:fillRef>
+          <a:effectRef idx="0">
+            <a:schemeClr val="accent1"/>
+          </a:effectRef>
+          <a:fontRef idx="minor">
+            <a:schemeClr val="lt1"/>
+          </a:fontRef>
+        </p:style>
+        <p:txBody>
+          <a:bodyPr rtlCol="0" anchor="ctr"/>
+          <a:lstStyle/>
+          <a:p>
+            <a:pPr algn="ctr"/>
+            <a:r>
+              <a:rPr lang="en-US" altLang="zh-CN" sz="1400" dirty="0"/>
+              <a:t>prep</a:t>
+            </a:r>
+            <a:r>
+              <a:rPr lang="zh-CN" altLang="en-US" sz="1400" dirty="0"/>
+              <a:t>文件</a:t>
+            </a:r>
+          </a:p>
+        </p:txBody>
+      </p:sp>
+      <p:sp>
+        <p:nvSpPr>
+          <p:cNvPr id="63" name="矩形 62">
+            <a:extLst>
+              <a:ext uri="{FF2B5EF4-FFF2-40B4-BE49-F238E27FC236}">
+                <a16:creationId xmlns:a16="http://schemas.microsoft.com/office/drawing/2014/main" id="{4DE97CDF-901D-422B-BE0E-84EA7E11F50F}"/>
+              </a:ext>
+            </a:extLst>
+          </p:cNvPr>
+          <p:cNvSpPr/>
+          <p:nvPr/>
+        </p:nvSpPr>
+        <p:spPr>
+          <a:xfrm>
+            <a:off x="7265010" y="5115401"/>
+            <a:ext cx="1483042" cy="735106"/>
+          </a:xfrm>
+          <a:prstGeom prst="rect">
+            <a:avLst/>
+          </a:prstGeom>
+          <a:solidFill>
+            <a:schemeClr val="accent5">
+              <a:lumMod val="60000"/>
+              <a:lumOff val="40000"/>
+            </a:schemeClr>
+          </a:solidFill>
+          <a:ln>
+            <a:noFill/>
+          </a:ln>
+        </p:spPr>
+        <p:style>
+          <a:lnRef idx="2">
+            <a:schemeClr val="accent1">
+              <a:shade val="50000"/>
+            </a:schemeClr>
+          </a:lnRef>
+          <a:fillRef idx="1">
+            <a:schemeClr val="accent1"/>
+          </a:fillRef>
+          <a:effectRef idx="0">
+            <a:schemeClr val="accent1"/>
+          </a:effectRef>
+          <a:fontRef idx="minor">
+            <a:schemeClr val="lt1"/>
+          </a:fontRef>
+        </p:style>
+        <p:txBody>
+          <a:bodyPr rtlCol="0" anchor="ctr"/>
+          <a:lstStyle/>
+          <a:p>
+            <a:pPr algn="ctr"/>
+            <a:r>
+              <a:rPr lang="en-US" altLang="zh-CN" sz="1400" dirty="0"/>
+              <a:t>tab</a:t>
+            </a:r>
+            <a:r>
+              <a:rPr lang="zh-CN" altLang="en-US" sz="1400" dirty="0"/>
+              <a:t>文件</a:t>
+            </a:r>
+          </a:p>
+        </p:txBody>
+      </p:sp>
+      <p:sp>
+        <p:nvSpPr>
+          <p:cNvPr id="23" name="矩形: 圆角 22">
+            <a:extLst>
+              <a:ext uri="{FF2B5EF4-FFF2-40B4-BE49-F238E27FC236}">
+                <a16:creationId xmlns:a16="http://schemas.microsoft.com/office/drawing/2014/main" id="{A0240874-2FC9-4CB2-9FD0-59FEE5A20084}"/>
+              </a:ext>
+            </a:extLst>
+          </p:cNvPr>
+          <p:cNvSpPr/>
+          <p:nvPr/>
+        </p:nvSpPr>
+        <p:spPr>
+          <a:xfrm>
+            <a:off x="2364908" y="270452"/>
+            <a:ext cx="4174436" cy="298142"/>
+          </a:xfrm>
+          <a:prstGeom prst="roundRect">
+            <a:avLst/>
+          </a:prstGeom>
+          <a:solidFill>
+            <a:schemeClr val="accent4">
+              <a:lumMod val="60000"/>
+              <a:lumOff val="40000"/>
+            </a:schemeClr>
+          </a:solidFill>
+          <a:ln>
+            <a:noFill/>
+          </a:ln>
+        </p:spPr>
+        <p:style>
+          <a:lnRef idx="2">
+            <a:schemeClr val="accent1">
+              <a:shade val="50000"/>
+            </a:schemeClr>
+          </a:lnRef>
+          <a:fillRef idx="1">
+            <a:schemeClr val="accent1"/>
+          </a:fillRef>
+          <a:effectRef idx="0">
+            <a:schemeClr val="accent1"/>
+          </a:effectRef>
+          <a:fontRef idx="minor">
+            <a:schemeClr val="lt1"/>
+          </a:fontRef>
+        </p:style>
+        <p:txBody>
+          <a:bodyPr rtlCol="0" anchor="ctr"/>
+          <a:lstStyle/>
+          <a:p>
+            <a:pPr algn="ctr"/>
+            <a:r>
+              <a:rPr lang="zh-CN" altLang="en-US" sz="1400" dirty="0">
+                <a:solidFill>
+                  <a:schemeClr val="tx1"/>
+                </a:solidFill>
+              </a:rPr>
+              <a:t>文件系统</a:t>
+            </a:r>
+          </a:p>
+        </p:txBody>
+      </p:sp>
+      <p:sp>
+        <p:nvSpPr>
+          <p:cNvPr id="65" name="矩形: 圆角 64">
+            <a:extLst>
+              <a:ext uri="{FF2B5EF4-FFF2-40B4-BE49-F238E27FC236}">
+                <a16:creationId xmlns:a16="http://schemas.microsoft.com/office/drawing/2014/main" id="{CAD1AA4D-EF9B-404F-ADDD-BD65CE9183DA}"/>
+              </a:ext>
+            </a:extLst>
+          </p:cNvPr>
+          <p:cNvSpPr/>
+          <p:nvPr/>
+        </p:nvSpPr>
+        <p:spPr>
+          <a:xfrm>
+            <a:off x="6754499" y="270452"/>
+            <a:ext cx="2991874" cy="298142"/>
+          </a:xfrm>
+          <a:prstGeom prst="roundRect">
+            <a:avLst/>
+          </a:prstGeom>
+          <a:solidFill>
+            <a:schemeClr val="accent4">
+              <a:lumMod val="60000"/>
+              <a:lumOff val="40000"/>
+            </a:schemeClr>
+          </a:solidFill>
+          <a:ln>
+            <a:noFill/>
+          </a:ln>
+        </p:spPr>
+        <p:style>
+          <a:lnRef idx="2">
+            <a:schemeClr val="accent1">
+              <a:shade val="50000"/>
+            </a:schemeClr>
+          </a:lnRef>
+          <a:fillRef idx="1">
+            <a:schemeClr val="accent1"/>
+          </a:fillRef>
+          <a:effectRef idx="0">
+            <a:schemeClr val="accent1"/>
+          </a:effectRef>
+          <a:fontRef idx="minor">
+            <a:schemeClr val="lt1"/>
+          </a:fontRef>
+        </p:style>
+        <p:txBody>
+          <a:bodyPr rtlCol="0" anchor="ctr"/>
+          <a:lstStyle/>
+          <a:p>
+            <a:pPr algn="ctr"/>
+            <a:r>
+              <a:rPr lang="zh-CN" altLang="en-US" sz="1400" dirty="0">
+                <a:solidFill>
+                  <a:schemeClr val="tx1"/>
+                </a:solidFill>
+              </a:rPr>
+              <a:t>数据系统</a:t>
+            </a:r>
+          </a:p>
+        </p:txBody>
+      </p:sp>
+      <p:sp>
+        <p:nvSpPr>
+          <p:cNvPr id="66" name="矩形: 圆角 65">
+            <a:extLst>
+              <a:ext uri="{FF2B5EF4-FFF2-40B4-BE49-F238E27FC236}">
+                <a16:creationId xmlns:a16="http://schemas.microsoft.com/office/drawing/2014/main" id="{7F150CA5-7EE6-4123-8A0D-B9F8D1A54D6A}"/>
+              </a:ext>
+            </a:extLst>
+          </p:cNvPr>
+          <p:cNvSpPr/>
+          <p:nvPr/>
+        </p:nvSpPr>
+        <p:spPr>
+          <a:xfrm>
+            <a:off x="2364908" y="2222455"/>
+            <a:ext cx="4174436" cy="298142"/>
+          </a:xfrm>
+          <a:prstGeom prst="roundRect">
+            <a:avLst/>
+          </a:prstGeom>
+          <a:solidFill>
+            <a:schemeClr val="accent4">
+              <a:lumMod val="60000"/>
+              <a:lumOff val="40000"/>
+            </a:schemeClr>
+          </a:solidFill>
+          <a:ln>
+            <a:noFill/>
+          </a:ln>
+        </p:spPr>
+        <p:style>
+          <a:lnRef idx="2">
+            <a:schemeClr val="accent1">
+              <a:shade val="50000"/>
+            </a:schemeClr>
+          </a:lnRef>
+          <a:fillRef idx="1">
+            <a:schemeClr val="accent1"/>
+          </a:fillRef>
+          <a:effectRef idx="0">
+            <a:schemeClr val="accent1"/>
+          </a:effectRef>
+          <a:fontRef idx="minor">
+            <a:schemeClr val="lt1"/>
+          </a:fontRef>
+        </p:style>
+        <p:txBody>
+          <a:bodyPr rtlCol="0" anchor="ctr"/>
+          <a:lstStyle/>
+          <a:p>
+            <a:pPr algn="ctr"/>
+            <a:endParaRPr lang="zh-CN" altLang="en-US" sz="1400" dirty="0">
+              <a:solidFill>
+                <a:schemeClr val="tx1"/>
+              </a:solidFill>
+            </a:endParaRPr>
+          </a:p>
+        </p:txBody>
+      </p:sp>
+      <p:sp>
+        <p:nvSpPr>
+          <p:cNvPr id="67" name="矩形: 圆角 66">
+            <a:extLst>
+              <a:ext uri="{FF2B5EF4-FFF2-40B4-BE49-F238E27FC236}">
+                <a16:creationId xmlns:a16="http://schemas.microsoft.com/office/drawing/2014/main" id="{C2C26EA5-4920-48A1-A5F8-D8C03F7098D3}"/>
+              </a:ext>
+            </a:extLst>
+          </p:cNvPr>
+          <p:cNvSpPr/>
+          <p:nvPr/>
+        </p:nvSpPr>
+        <p:spPr>
+          <a:xfrm>
+            <a:off x="6754499" y="2218394"/>
+            <a:ext cx="2991874" cy="298142"/>
+          </a:xfrm>
+          <a:prstGeom prst="roundRect">
+            <a:avLst/>
+          </a:prstGeom>
+          <a:solidFill>
+            <a:schemeClr val="accent4">
+              <a:lumMod val="60000"/>
+              <a:lumOff val="40000"/>
+            </a:schemeClr>
+          </a:solidFill>
+          <a:ln>
+            <a:noFill/>
+          </a:ln>
+        </p:spPr>
+        <p:style>
+          <a:lnRef idx="2">
+            <a:schemeClr val="accent1">
+              <a:shade val="50000"/>
+            </a:schemeClr>
+          </a:lnRef>
+          <a:fillRef idx="1">
+            <a:schemeClr val="accent1"/>
+          </a:fillRef>
+          <a:effectRef idx="0">
+            <a:schemeClr val="accent1"/>
+          </a:effectRef>
+          <a:fontRef idx="minor">
+            <a:schemeClr val="lt1"/>
+          </a:fontRef>
+        </p:style>
+        <p:txBody>
+          <a:bodyPr rtlCol="0" anchor="ctr"/>
+          <a:lstStyle/>
+          <a:p>
+            <a:pPr algn="ctr"/>
+            <a:endParaRPr lang="zh-CN" altLang="en-US" sz="1400" dirty="0">
+              <a:solidFill>
+                <a:schemeClr val="tx1"/>
+              </a:solidFill>
+            </a:endParaRPr>
+          </a:p>
+        </p:txBody>
+      </p:sp>
+      <p:sp>
+        <p:nvSpPr>
+          <p:cNvPr id="79" name="矩形: 圆角 78">
+            <a:extLst>
+              <a:ext uri="{FF2B5EF4-FFF2-40B4-BE49-F238E27FC236}">
+                <a16:creationId xmlns:a16="http://schemas.microsoft.com/office/drawing/2014/main" id="{36B3118A-D18E-4CD3-B432-2DFD0763383D}"/>
+              </a:ext>
+            </a:extLst>
+          </p:cNvPr>
+          <p:cNvSpPr/>
+          <p:nvPr/>
+        </p:nvSpPr>
+        <p:spPr>
+          <a:xfrm>
+            <a:off x="2354104" y="4175154"/>
+            <a:ext cx="4174436" cy="298142"/>
+          </a:xfrm>
+          <a:prstGeom prst="roundRect">
+            <a:avLst/>
+          </a:prstGeom>
+          <a:solidFill>
+            <a:schemeClr val="accent4">
+              <a:lumMod val="60000"/>
+              <a:lumOff val="40000"/>
+            </a:schemeClr>
+          </a:solidFill>
+          <a:ln>
+            <a:noFill/>
+          </a:ln>
+        </p:spPr>
+        <p:style>
+          <a:lnRef idx="2">
+            <a:schemeClr val="accent1">
+              <a:shade val="50000"/>
+            </a:schemeClr>
+          </a:lnRef>
+          <a:fillRef idx="1">
+            <a:schemeClr val="accent1"/>
+          </a:fillRef>
+          <a:effectRef idx="0">
+            <a:schemeClr val="accent1"/>
+          </a:effectRef>
+          <a:fontRef idx="minor">
+            <a:schemeClr val="lt1"/>
+          </a:fontRef>
+        </p:style>
+        <p:txBody>
+          <a:bodyPr rtlCol="0" anchor="ctr"/>
+          <a:lstStyle/>
+          <a:p>
+            <a:pPr algn="ctr"/>
+            <a:endParaRPr lang="zh-CN" altLang="en-US" sz="1400" dirty="0">
+              <a:solidFill>
+                <a:schemeClr val="tx1"/>
+              </a:solidFill>
+            </a:endParaRPr>
+          </a:p>
+        </p:txBody>
+      </p:sp>
+      <p:sp>
+        <p:nvSpPr>
+          <p:cNvPr id="80" name="矩形: 圆角 79">
+            <a:extLst>
+              <a:ext uri="{FF2B5EF4-FFF2-40B4-BE49-F238E27FC236}">
+                <a16:creationId xmlns:a16="http://schemas.microsoft.com/office/drawing/2014/main" id="{B4869008-7F23-40E4-8E6E-8C093AF3A8D6}"/>
+              </a:ext>
+            </a:extLst>
+          </p:cNvPr>
+          <p:cNvSpPr/>
+          <p:nvPr/>
+        </p:nvSpPr>
+        <p:spPr>
+          <a:xfrm>
+            <a:off x="6739950" y="4174139"/>
+            <a:ext cx="2991874" cy="298142"/>
+          </a:xfrm>
+          <a:prstGeom prst="roundRect">
+            <a:avLst/>
+          </a:prstGeom>
+          <a:solidFill>
+            <a:schemeClr val="accent4">
+              <a:lumMod val="60000"/>
+              <a:lumOff val="40000"/>
+            </a:schemeClr>
+          </a:solidFill>
+          <a:ln>
+            <a:noFill/>
+          </a:ln>
+        </p:spPr>
+        <p:style>
+          <a:lnRef idx="2">
+            <a:schemeClr val="accent1">
+              <a:shade val="50000"/>
+            </a:schemeClr>
+          </a:lnRef>
+          <a:fillRef idx="1">
+            <a:schemeClr val="accent1"/>
+          </a:fillRef>
+          <a:effectRef idx="0">
+            <a:schemeClr val="accent1"/>
+          </a:effectRef>
+          <a:fontRef idx="minor">
+            <a:schemeClr val="lt1"/>
+          </a:fontRef>
+        </p:style>
+        <p:txBody>
+          <a:bodyPr rtlCol="0" anchor="ctr"/>
+          <a:lstStyle/>
+          <a:p>
+            <a:pPr algn="ctr"/>
+            <a:endParaRPr lang="zh-CN" altLang="en-US" sz="1400" dirty="0">
+              <a:solidFill>
+                <a:schemeClr val="tx1"/>
+              </a:solidFill>
+            </a:endParaRPr>
+          </a:p>
+        </p:txBody>
+      </p:sp>
+      <p:sp>
+        <p:nvSpPr>
+          <p:cNvPr id="81" name="矩形: 圆角 80">
+            <a:extLst>
+              <a:ext uri="{FF2B5EF4-FFF2-40B4-BE49-F238E27FC236}">
+                <a16:creationId xmlns:a16="http://schemas.microsoft.com/office/drawing/2014/main" id="{C2181918-6994-41A8-AFE0-3C52E0B55DCC}"/>
+              </a:ext>
+            </a:extLst>
+          </p:cNvPr>
+          <p:cNvSpPr/>
+          <p:nvPr/>
+        </p:nvSpPr>
+        <p:spPr>
+          <a:xfrm>
+            <a:off x="2368653" y="6129884"/>
+            <a:ext cx="4174436" cy="298142"/>
+          </a:xfrm>
+          <a:prstGeom prst="roundRect">
+            <a:avLst/>
+          </a:prstGeom>
+          <a:solidFill>
+            <a:schemeClr val="accent4">
+              <a:lumMod val="60000"/>
+              <a:lumOff val="40000"/>
+            </a:schemeClr>
+          </a:solidFill>
+          <a:ln>
+            <a:noFill/>
+          </a:ln>
+        </p:spPr>
+        <p:style>
+          <a:lnRef idx="2">
+            <a:schemeClr val="accent1">
+              <a:shade val="50000"/>
+            </a:schemeClr>
+          </a:lnRef>
+          <a:fillRef idx="1">
+            <a:schemeClr val="accent1"/>
+          </a:fillRef>
+          <a:effectRef idx="0">
+            <a:schemeClr val="accent1"/>
+          </a:effectRef>
+          <a:fontRef idx="minor">
+            <a:schemeClr val="lt1"/>
+          </a:fontRef>
+        </p:style>
+        <p:txBody>
+          <a:bodyPr rtlCol="0" anchor="ctr"/>
+          <a:lstStyle/>
+          <a:p>
+            <a:pPr algn="ctr"/>
+            <a:endParaRPr lang="zh-CN" altLang="en-US" sz="1400" dirty="0">
+              <a:solidFill>
+                <a:schemeClr val="tx1"/>
+              </a:solidFill>
+            </a:endParaRPr>
+          </a:p>
+        </p:txBody>
+      </p:sp>
+      <p:sp>
+        <p:nvSpPr>
+          <p:cNvPr id="82" name="矩形: 圆角 81">
+            <a:extLst>
+              <a:ext uri="{FF2B5EF4-FFF2-40B4-BE49-F238E27FC236}">
+                <a16:creationId xmlns:a16="http://schemas.microsoft.com/office/drawing/2014/main" id="{FDD1739B-D61E-41D6-A42D-F9457E2587AA}"/>
+              </a:ext>
+            </a:extLst>
+          </p:cNvPr>
+          <p:cNvSpPr/>
+          <p:nvPr/>
+        </p:nvSpPr>
+        <p:spPr>
+          <a:xfrm>
+            <a:off x="6754499" y="6128869"/>
+            <a:ext cx="2991874" cy="298142"/>
+          </a:xfrm>
+          <a:prstGeom prst="roundRect">
+            <a:avLst/>
+          </a:prstGeom>
+          <a:solidFill>
+            <a:schemeClr val="accent4">
+              <a:lumMod val="60000"/>
+              <a:lumOff val="40000"/>
+            </a:schemeClr>
+          </a:solidFill>
+          <a:ln>
+            <a:noFill/>
+          </a:ln>
+        </p:spPr>
+        <p:style>
+          <a:lnRef idx="2">
+            <a:schemeClr val="accent1">
+              <a:shade val="50000"/>
+            </a:schemeClr>
+          </a:lnRef>
+          <a:fillRef idx="1">
+            <a:schemeClr val="accent1"/>
+          </a:fillRef>
+          <a:effectRef idx="0">
+            <a:schemeClr val="accent1"/>
+          </a:effectRef>
+          <a:fontRef idx="minor">
+            <a:schemeClr val="lt1"/>
+          </a:fontRef>
+        </p:style>
+        <p:txBody>
+          <a:bodyPr rtlCol="0" anchor="ctr"/>
+          <a:lstStyle/>
+          <a:p>
+            <a:pPr algn="ctr"/>
+            <a:endParaRPr lang="zh-CN" altLang="en-US" sz="1400" dirty="0">
+              <a:solidFill>
+                <a:schemeClr val="tx1"/>
+              </a:solidFill>
+            </a:endParaRPr>
+          </a:p>
+        </p:txBody>
+      </p:sp>
+    </p:spTree>
+    <p:extLst>
+      <p:ext uri="{BB962C8B-B14F-4D97-AF65-F5344CB8AC3E}">
+        <p14:creationId xmlns:p14="http://schemas.microsoft.com/office/powerpoint/2010/main" val="2493644824"/>
+      </p:ext>
+    </p:extLst>
+  </p:cSld>
+  <p:clrMapOvr>
+    <a:masterClrMapping/>
+  </p:clrMapOvr>
+</p:sld>
+</file>
+
 <file path=ppt/theme/theme1.xml><?xml version="1.0" encoding="utf-8"?>
 <a:theme xmlns:a="http://schemas.openxmlformats.org/drawingml/2006/main" name="Office 主题​​">
   <a:themeElements>
